--- a/PPT/2DGP_Test.pptx
+++ b/PPT/2DGP_Test.pptx
@@ -289,7 +289,7 @@
           <a:p>
             <a:fld id="{FABCDB79-F582-4A9D-B186-9C356E244742}" type="datetimeFigureOut">
               <a:rPr lang="ko-KR" altLang="en-US" smtClean="0"/>
-              <a:t>2016-10-15</a:t>
+              <a:t>2016-11-14</a:t>
             </a:fld>
             <a:endParaRPr lang="ko-KR" altLang="en-US"/>
           </a:p>
@@ -459,7 +459,7 @@
           <a:p>
             <a:fld id="{FABCDB79-F582-4A9D-B186-9C356E244742}" type="datetimeFigureOut">
               <a:rPr lang="ko-KR" altLang="en-US" smtClean="0"/>
-              <a:t>2016-10-15</a:t>
+              <a:t>2016-11-14</a:t>
             </a:fld>
             <a:endParaRPr lang="ko-KR" altLang="en-US"/>
           </a:p>
@@ -639,7 +639,7 @@
           <a:p>
             <a:fld id="{FABCDB79-F582-4A9D-B186-9C356E244742}" type="datetimeFigureOut">
               <a:rPr lang="ko-KR" altLang="en-US" smtClean="0"/>
-              <a:t>2016-10-15</a:t>
+              <a:t>2016-11-14</a:t>
             </a:fld>
             <a:endParaRPr lang="ko-KR" altLang="en-US"/>
           </a:p>
@@ -809,7 +809,7 @@
           <a:p>
             <a:fld id="{FABCDB79-F582-4A9D-B186-9C356E244742}" type="datetimeFigureOut">
               <a:rPr lang="ko-KR" altLang="en-US" smtClean="0"/>
-              <a:t>2016-10-15</a:t>
+              <a:t>2016-11-14</a:t>
             </a:fld>
             <a:endParaRPr lang="ko-KR" altLang="en-US"/>
           </a:p>
@@ -1055,7 +1055,7 @@
           <a:p>
             <a:fld id="{FABCDB79-F582-4A9D-B186-9C356E244742}" type="datetimeFigureOut">
               <a:rPr lang="ko-KR" altLang="en-US" smtClean="0"/>
-              <a:t>2016-10-15</a:t>
+              <a:t>2016-11-14</a:t>
             </a:fld>
             <a:endParaRPr lang="ko-KR" altLang="en-US"/>
           </a:p>
@@ -1343,7 +1343,7 @@
           <a:p>
             <a:fld id="{FABCDB79-F582-4A9D-B186-9C356E244742}" type="datetimeFigureOut">
               <a:rPr lang="ko-KR" altLang="en-US" smtClean="0"/>
-              <a:t>2016-10-15</a:t>
+              <a:t>2016-11-14</a:t>
             </a:fld>
             <a:endParaRPr lang="ko-KR" altLang="en-US"/>
           </a:p>
@@ -1765,7 +1765,7 @@
           <a:p>
             <a:fld id="{FABCDB79-F582-4A9D-B186-9C356E244742}" type="datetimeFigureOut">
               <a:rPr lang="ko-KR" altLang="en-US" smtClean="0"/>
-              <a:t>2016-10-15</a:t>
+              <a:t>2016-11-14</a:t>
             </a:fld>
             <a:endParaRPr lang="ko-KR" altLang="en-US"/>
           </a:p>
@@ -1883,7 +1883,7 @@
           <a:p>
             <a:fld id="{FABCDB79-F582-4A9D-B186-9C356E244742}" type="datetimeFigureOut">
               <a:rPr lang="ko-KR" altLang="en-US" smtClean="0"/>
-              <a:t>2016-10-15</a:t>
+              <a:t>2016-11-14</a:t>
             </a:fld>
             <a:endParaRPr lang="ko-KR" altLang="en-US"/>
           </a:p>
@@ -1978,7 +1978,7 @@
           <a:p>
             <a:fld id="{FABCDB79-F582-4A9D-B186-9C356E244742}" type="datetimeFigureOut">
               <a:rPr lang="ko-KR" altLang="en-US" smtClean="0"/>
-              <a:t>2016-10-15</a:t>
+              <a:t>2016-11-14</a:t>
             </a:fld>
             <a:endParaRPr lang="ko-KR" altLang="en-US"/>
           </a:p>
@@ -2255,7 +2255,7 @@
           <a:p>
             <a:fld id="{FABCDB79-F582-4A9D-B186-9C356E244742}" type="datetimeFigureOut">
               <a:rPr lang="ko-KR" altLang="en-US" smtClean="0"/>
-              <a:t>2016-10-15</a:t>
+              <a:t>2016-11-14</a:t>
             </a:fld>
             <a:endParaRPr lang="ko-KR" altLang="en-US"/>
           </a:p>
@@ -2508,7 +2508,7 @@
           <a:p>
             <a:fld id="{FABCDB79-F582-4A9D-B186-9C356E244742}" type="datetimeFigureOut">
               <a:rPr lang="ko-KR" altLang="en-US" smtClean="0"/>
-              <a:t>2016-10-15</a:t>
+              <a:t>2016-11-14</a:t>
             </a:fld>
             <a:endParaRPr lang="ko-KR" altLang="en-US"/>
           </a:p>
@@ -2721,7 +2721,7 @@
           <a:p>
             <a:fld id="{FABCDB79-F582-4A9D-B186-9C356E244742}" type="datetimeFigureOut">
               <a:rPr lang="ko-KR" altLang="en-US" smtClean="0"/>
-              <a:t>2016-10-15</a:t>
+              <a:t>2016-11-14</a:t>
             </a:fld>
             <a:endParaRPr lang="ko-KR" altLang="en-US"/>
           </a:p>
@@ -3385,7 +3385,7 @@
         <p:spPr>
           <a:xfrm>
             <a:off x="2463410" y="44624"/>
-            <a:ext cx="748923" cy="276999"/>
+            <a:ext cx="710451" cy="276999"/>
           </a:xfrm>
           <a:prstGeom prst="rect">
             <a:avLst/>
@@ -3401,26 +3401,16 @@
             <a:r>
               <a:rPr lang="en-US" altLang="ko-KR" sz="1200" dirty="0" smtClean="0">
                 <a:solidFill>
-                  <a:schemeClr val="accent1"/>
+                  <a:srgbClr val="FF0000"/>
                 </a:solidFill>
                 <a:latin typeface="HY헤드라인M" panose="02030600000101010101" pitchFamily="18" charset="-127"/>
                 <a:ea typeface="HY헤드라인M" panose="02030600000101010101" pitchFamily="18" charset="-127"/>
               </a:rPr>
-              <a:t>Stage </a:t>
-            </a:r>
-            <a:r>
-              <a:rPr lang="en-US" altLang="ko-KR" sz="1200" dirty="0" smtClean="0">
-                <a:solidFill>
-                  <a:schemeClr val="accent1"/>
-                </a:solidFill>
-                <a:latin typeface="HY헤드라인M" panose="02030600000101010101" pitchFamily="18" charset="-127"/>
-                <a:ea typeface="HY헤드라인M" panose="02030600000101010101" pitchFamily="18" charset="-127"/>
-              </a:rPr>
-              <a:t>2</a:t>
+              <a:t>INFINITY</a:t>
             </a:r>
             <a:endParaRPr lang="ko-KR" altLang="en-US" sz="1200" dirty="0">
               <a:solidFill>
-                <a:schemeClr val="accent1"/>
+                <a:srgbClr val="FF0000"/>
               </a:solidFill>
               <a:latin typeface="HY헤드라인M" panose="02030600000101010101" pitchFamily="18" charset="-127"/>
               <a:ea typeface="HY헤드라인M" panose="02030600000101010101" pitchFamily="18" charset="-127"/>
@@ -3627,8 +3617,8 @@
           <p:nvPr/>
         </p:nvSpPr>
         <p:spPr>
-          <a:xfrm>
-            <a:off x="4466835" y="2276872"/>
+          <a:xfrm rot="16200000">
+            <a:off x="2890701" y="3297016"/>
             <a:ext cx="914324" cy="243820"/>
           </a:xfrm>
           <a:prstGeom prst="rect">
@@ -3689,8 +3679,8 @@
           </a:stretch>
         </p:blipFill>
         <p:spPr>
-          <a:xfrm>
-            <a:off x="3178734" y="2947050"/>
+          <a:xfrm rot="16200000">
+            <a:off x="4906926" y="2218168"/>
             <a:ext cx="914324" cy="243820"/>
           </a:xfrm>
           <a:prstGeom prst="rect">
@@ -3868,13 +3858,6 @@
               </a:rPr>
               <a:t>속</a:t>
             </a:r>
-            <a:endParaRPr lang="ko-KR" altLang="en-US" sz="1400" dirty="0">
-              <a:solidFill>
-                <a:srgbClr val="FF0000"/>
-              </a:solidFill>
-              <a:latin typeface="HY헤드라인M" panose="02030600000101010101" pitchFamily="18" charset="-127"/>
-              <a:ea typeface="HY헤드라인M" panose="02030600000101010101" pitchFamily="18" charset="-127"/>
-            </a:endParaRPr>
           </a:p>
         </p:txBody>
       </p:sp>
@@ -3927,36 +3910,6 @@
           </a:p>
         </p:txBody>
       </p:sp>
-      <p:pic>
-        <p:nvPicPr>
-          <p:cNvPr id="17" name="그림 16"/>
-          <p:cNvPicPr>
-            <a:picLocks noChangeAspect="1"/>
-          </p:cNvPicPr>
-          <p:nvPr/>
-        </p:nvPicPr>
-        <p:blipFill>
-          <a:blip r:embed="rId3">
-            <a:extLst>
-              <a:ext uri="{28A0092B-C50C-407E-A947-70E740481C1C}">
-                <a14:useLocalDpi xmlns:a14="http://schemas.microsoft.com/office/drawing/2010/main" val="0"/>
-              </a:ext>
-            </a:extLst>
-          </a:blip>
-          <a:stretch>
-            <a:fillRect/>
-          </a:stretch>
-        </p:blipFill>
-        <p:spPr>
-          <a:xfrm>
-            <a:off x="3752195" y="2096258"/>
-            <a:ext cx="914324" cy="243820"/>
-          </a:xfrm>
-          <a:prstGeom prst="rect">
-            <a:avLst/>
-          </a:prstGeom>
-        </p:spPr>
-      </p:pic>
       <p:sp>
         <p:nvSpPr>
           <p:cNvPr id="22" name="직사각형 21"/>
@@ -3965,8 +3918,8 @@
         </p:nvSpPr>
         <p:spPr>
           <a:xfrm>
-            <a:off x="3015218" y="1372991"/>
-            <a:ext cx="1828648" cy="243820"/>
+            <a:off x="3127429" y="908720"/>
+            <a:ext cx="1343847" cy="3672407"/>
           </a:xfrm>
           <a:prstGeom prst="rect">
             <a:avLst/>
@@ -4005,6 +3958,36 @@
           </a:p>
         </p:txBody>
       </p:sp>
+      <p:pic>
+        <p:nvPicPr>
+          <p:cNvPr id="21" name="그림 20"/>
+          <p:cNvPicPr>
+            <a:picLocks noChangeAspect="1"/>
+          </p:cNvPicPr>
+          <p:nvPr/>
+        </p:nvPicPr>
+        <p:blipFill>
+          <a:blip r:embed="rId4">
+            <a:extLst>
+              <a:ext uri="{28A0092B-C50C-407E-A947-70E740481C1C}">
+                <a14:useLocalDpi xmlns:a14="http://schemas.microsoft.com/office/drawing/2010/main" val="0"/>
+              </a:ext>
+            </a:extLst>
+          </a:blip>
+          <a:stretch>
+            <a:fillRect/>
+          </a:stretch>
+        </p:blipFill>
+        <p:spPr>
+          <a:xfrm>
+            <a:off x="3635896" y="908720"/>
+            <a:ext cx="835381" cy="835381"/>
+          </a:xfrm>
+          <a:prstGeom prst="rect">
+            <a:avLst/>
+          </a:prstGeom>
+        </p:spPr>
+      </p:pic>
     </p:spTree>
     <p:extLst>
       <p:ext uri="{BB962C8B-B14F-4D97-AF65-F5344CB8AC3E}">

--- a/PPT/2DGP_Test.pptx
+++ b/PPT/2DGP_Test.pptx
@@ -289,7 +289,7 @@
           <a:p>
             <a:fld id="{FABCDB79-F582-4A9D-B186-9C356E244742}" type="datetimeFigureOut">
               <a:rPr lang="ko-KR" altLang="en-US" smtClean="0"/>
-              <a:t>2016-11-14</a:t>
+              <a:t>2016-11-15</a:t>
             </a:fld>
             <a:endParaRPr lang="ko-KR" altLang="en-US"/>
           </a:p>
@@ -459,7 +459,7 @@
           <a:p>
             <a:fld id="{FABCDB79-F582-4A9D-B186-9C356E244742}" type="datetimeFigureOut">
               <a:rPr lang="ko-KR" altLang="en-US" smtClean="0"/>
-              <a:t>2016-11-14</a:t>
+              <a:t>2016-11-15</a:t>
             </a:fld>
             <a:endParaRPr lang="ko-KR" altLang="en-US"/>
           </a:p>
@@ -639,7 +639,7 @@
           <a:p>
             <a:fld id="{FABCDB79-F582-4A9D-B186-9C356E244742}" type="datetimeFigureOut">
               <a:rPr lang="ko-KR" altLang="en-US" smtClean="0"/>
-              <a:t>2016-11-14</a:t>
+              <a:t>2016-11-15</a:t>
             </a:fld>
             <a:endParaRPr lang="ko-KR" altLang="en-US"/>
           </a:p>
@@ -809,7 +809,7 @@
           <a:p>
             <a:fld id="{FABCDB79-F582-4A9D-B186-9C356E244742}" type="datetimeFigureOut">
               <a:rPr lang="ko-KR" altLang="en-US" smtClean="0"/>
-              <a:t>2016-11-14</a:t>
+              <a:t>2016-11-15</a:t>
             </a:fld>
             <a:endParaRPr lang="ko-KR" altLang="en-US"/>
           </a:p>
@@ -1055,7 +1055,7 @@
           <a:p>
             <a:fld id="{FABCDB79-F582-4A9D-B186-9C356E244742}" type="datetimeFigureOut">
               <a:rPr lang="ko-KR" altLang="en-US" smtClean="0"/>
-              <a:t>2016-11-14</a:t>
+              <a:t>2016-11-15</a:t>
             </a:fld>
             <a:endParaRPr lang="ko-KR" altLang="en-US"/>
           </a:p>
@@ -1343,7 +1343,7 @@
           <a:p>
             <a:fld id="{FABCDB79-F582-4A9D-B186-9C356E244742}" type="datetimeFigureOut">
               <a:rPr lang="ko-KR" altLang="en-US" smtClean="0"/>
-              <a:t>2016-11-14</a:t>
+              <a:t>2016-11-15</a:t>
             </a:fld>
             <a:endParaRPr lang="ko-KR" altLang="en-US"/>
           </a:p>
@@ -1765,7 +1765,7 @@
           <a:p>
             <a:fld id="{FABCDB79-F582-4A9D-B186-9C356E244742}" type="datetimeFigureOut">
               <a:rPr lang="ko-KR" altLang="en-US" smtClean="0"/>
-              <a:t>2016-11-14</a:t>
+              <a:t>2016-11-15</a:t>
             </a:fld>
             <a:endParaRPr lang="ko-KR" altLang="en-US"/>
           </a:p>
@@ -1883,7 +1883,7 @@
           <a:p>
             <a:fld id="{FABCDB79-F582-4A9D-B186-9C356E244742}" type="datetimeFigureOut">
               <a:rPr lang="ko-KR" altLang="en-US" smtClean="0"/>
-              <a:t>2016-11-14</a:t>
+              <a:t>2016-11-15</a:t>
             </a:fld>
             <a:endParaRPr lang="ko-KR" altLang="en-US"/>
           </a:p>
@@ -1978,7 +1978,7 @@
           <a:p>
             <a:fld id="{FABCDB79-F582-4A9D-B186-9C356E244742}" type="datetimeFigureOut">
               <a:rPr lang="ko-KR" altLang="en-US" smtClean="0"/>
-              <a:t>2016-11-14</a:t>
+              <a:t>2016-11-15</a:t>
             </a:fld>
             <a:endParaRPr lang="ko-KR" altLang="en-US"/>
           </a:p>
@@ -2255,7 +2255,7 @@
           <a:p>
             <a:fld id="{FABCDB79-F582-4A9D-B186-9C356E244742}" type="datetimeFigureOut">
               <a:rPr lang="ko-KR" altLang="en-US" smtClean="0"/>
-              <a:t>2016-11-14</a:t>
+              <a:t>2016-11-15</a:t>
             </a:fld>
             <a:endParaRPr lang="ko-KR" altLang="en-US"/>
           </a:p>
@@ -2508,7 +2508,7 @@
           <a:p>
             <a:fld id="{FABCDB79-F582-4A9D-B186-9C356E244742}" type="datetimeFigureOut">
               <a:rPr lang="ko-KR" altLang="en-US" smtClean="0"/>
-              <a:t>2016-11-14</a:t>
+              <a:t>2016-11-15</a:t>
             </a:fld>
             <a:endParaRPr lang="ko-KR" altLang="en-US"/>
           </a:p>
@@ -2721,7 +2721,7 @@
           <a:p>
             <a:fld id="{FABCDB79-F582-4A9D-B186-9C356E244742}" type="datetimeFigureOut">
               <a:rPr lang="ko-KR" altLang="en-US" smtClean="0"/>
-              <a:t>2016-11-14</a:t>
+              <a:t>2016-11-15</a:t>
             </a:fld>
             <a:endParaRPr lang="ko-KR" altLang="en-US"/>
           </a:p>
@@ -3988,6 +3988,43 @@
           </a:prstGeom>
         </p:spPr>
       </p:pic>
+      <p:pic>
+        <p:nvPicPr>
+          <p:cNvPr id="15" name="그림 14"/>
+          <p:cNvPicPr>
+            <a:picLocks noChangeAspect="1"/>
+          </p:cNvPicPr>
+          <p:nvPr/>
+        </p:nvPicPr>
+        <p:blipFill>
+          <a:blip r:embed="rId5">
+            <a:duotone>
+              <a:prstClr val="black"/>
+              <a:schemeClr val="accent4">
+                <a:tint val="45000"/>
+                <a:satMod val="400000"/>
+              </a:schemeClr>
+            </a:duotone>
+            <a:extLst>
+              <a:ext uri="{28A0092B-C50C-407E-A947-70E740481C1C}">
+                <a14:useLocalDpi xmlns:a14="http://schemas.microsoft.com/office/drawing/2010/main" val="0"/>
+              </a:ext>
+            </a:extLst>
+          </a:blip>
+          <a:stretch>
+            <a:fillRect/>
+          </a:stretch>
+        </p:blipFill>
+        <p:spPr>
+          <a:xfrm>
+            <a:off x="6156176" y="2420888"/>
+            <a:ext cx="115814" cy="164578"/>
+          </a:xfrm>
+          <a:prstGeom prst="rect">
+            <a:avLst/>
+          </a:prstGeom>
+        </p:spPr>
+      </p:pic>
     </p:spTree>
     <p:extLst>
       <p:ext uri="{BB962C8B-B14F-4D97-AF65-F5344CB8AC3E}">
